--- a/H9/1-Many.pptx
+++ b/H9/1-Many.pptx
@@ -4506,54 +4506,31 @@
               <a:rPr lang="tr-TR" dirty="0" smtClean="0"/>
               <a:t>Kitap uygulaması</a:t>
             </a:r>
-            <a:endParaRPr lang="tr-TR" dirty="0" smtClean="0"/>
-          </a:p>
-          <a:p>
-            <a:r>
-              <a:rPr lang="tr-TR" dirty="0" smtClean="0"/>
-              <a:t>User-Kitap </a:t>
-            </a:r>
-            <a:r>
-              <a:rPr lang="tr-TR" dirty="0" smtClean="0"/>
-              <a:t>arasında ilişki kurarsak</a:t>
-            </a:r>
-          </a:p>
-          <a:p>
-            <a:r>
-              <a:rPr lang="tr-TR" dirty="0" smtClean="0"/>
-              <a:t>Bir kullanıcının birden fazla </a:t>
-            </a:r>
-            <a:r>
-              <a:rPr lang="tr-TR" dirty="0" smtClean="0"/>
-              <a:t>kitabı olabilir</a:t>
-            </a:r>
-            <a:endParaRPr lang="tr-TR" dirty="0" smtClean="0"/>
-          </a:p>
-          <a:p>
-            <a:r>
-              <a:rPr lang="tr-TR" dirty="0" smtClean="0"/>
-              <a:t>Bir </a:t>
-            </a:r>
-            <a:r>
-              <a:rPr lang="tr-TR" dirty="0" smtClean="0"/>
-              <a:t>kitap-tek </a:t>
-            </a:r>
-            <a:r>
-              <a:rPr lang="tr-TR" dirty="0" smtClean="0"/>
-              <a:t>bir kullanıcıya bağlıdır</a:t>
+          </a:p>
+          <a:p>
+            <a:r>
+              <a:rPr lang="tr-TR" dirty="0" smtClean="0"/>
+              <a:t>User-Kitap arasında ilişki kurarsak</a:t>
+            </a:r>
+          </a:p>
+          <a:p>
+            <a:r>
+              <a:rPr lang="tr-TR" dirty="0" smtClean="0"/>
+              <a:t>Bir kullanıcının birden fazla kitabı olabilir</a:t>
+            </a:r>
+          </a:p>
+          <a:p>
+            <a:r>
+              <a:rPr lang="tr-TR" dirty="0" smtClean="0"/>
+              <a:t>Bir kitap-tek bir kullanıcıya bağlıdır</a:t>
             </a:r>
           </a:p>
           <a:p>
             <a:pPr lvl="1"/>
             <a:r>
               <a:rPr lang="tr-TR" dirty="0" smtClean="0"/>
-              <a:t>User – </a:t>
-            </a:r>
-            <a:r>
-              <a:rPr lang="tr-TR" dirty="0" smtClean="0"/>
-              <a:t>Kitap</a:t>
-            </a:r>
-            <a:endParaRPr lang="tr-TR" dirty="0" smtClean="0"/>
+              <a:t>User – Kitap</a:t>
+            </a:r>
           </a:p>
           <a:p>
             <a:pPr lvl="1"/>
@@ -4571,15 +4548,7 @@
             <a:pPr lvl="1"/>
             <a:r>
               <a:rPr lang="tr-TR" dirty="0" smtClean="0"/>
-              <a:t>Konuşma dilinde alinin tüm </a:t>
-            </a:r>
-            <a:r>
-              <a:rPr lang="tr-TR" dirty="0" smtClean="0"/>
-              <a:t>kitapları (yada </a:t>
-            </a:r>
-            <a:r>
-              <a:rPr lang="tr-TR" dirty="0" smtClean="0"/>
-              <a:t>alinin sayfası/yazıları) diyebiliriz</a:t>
+              <a:t>Konuşma dilinde alinin tüm kitapları (yada alinin sayfası/yazıları) diyebiliriz</a:t>
             </a:r>
           </a:p>
           <a:p>
@@ -4590,11 +4559,7 @@
             </a:r>
             <a:r>
               <a:rPr lang="tr-TR" dirty="0" smtClean="0"/>
-              <a:t> </a:t>
-            </a:r>
-            <a:r>
-              <a:rPr lang="tr-TR" dirty="0" smtClean="0"/>
-              <a:t>(</a:t>
+              <a:t> (</a:t>
             </a:r>
             <a:r>
               <a:rPr lang="tr-TR" dirty="0" err="1" smtClean="0"/>
@@ -4686,58 +4651,36 @@
               <a:buNone/>
             </a:pPr>
             <a:r>
-              <a:rPr lang="tr-TR" dirty="0" err="1"/>
-              <a:t>rails</a:t>
-            </a:r>
-            <a:r>
-              <a:rPr lang="tr-TR" dirty="0"/>
-              <a:t> g </a:t>
-            </a:r>
-            <a:r>
-              <a:rPr lang="tr-TR" dirty="0" err="1"/>
-              <a:t>migration</a:t>
-            </a:r>
-            <a:r>
-              <a:rPr lang="tr-TR" dirty="0"/>
+              <a:rPr lang="en-US" b="1" dirty="0"/>
+              <a:t> rails g  migration </a:t>
+            </a:r>
+            <a:r>
+              <a:rPr lang="en-US" b="1" dirty="0" err="1"/>
+              <a:t>AddUserToKitaps</a:t>
+            </a:r>
+            <a:r>
+              <a:rPr lang="en-US" b="1" dirty="0"/>
               <a:t> </a:t>
             </a:r>
             <a:r>
-              <a:rPr lang="tr-TR" dirty="0" err="1" smtClean="0"/>
-              <a:t>add_user_to_kitap</a:t>
-            </a:r>
-            <a:r>
-              <a:rPr lang="tr-TR" dirty="0" smtClean="0"/>
-              <a:t> </a:t>
-            </a:r>
-            <a:r>
-              <a:rPr lang="tr-TR" dirty="0" err="1"/>
+              <a:rPr lang="en-US" b="1" dirty="0" err="1" smtClean="0"/>
               <a:t>user:references</a:t>
             </a:r>
-            <a:endParaRPr lang="tr-TR" dirty="0"/>
+            <a:endParaRPr lang="tr-TR" b="1" dirty="0" smtClean="0"/>
           </a:p>
           <a:p>
             <a:pPr marL="0" indent="0">
               <a:buNone/>
             </a:pPr>
-            <a:r>
-              <a:rPr lang="tr-TR" dirty="0" smtClean="0"/>
-              <a:t>	</a:t>
-            </a:r>
-            <a:r>
-              <a:rPr lang="tr-TR" dirty="0" smtClean="0"/>
-              <a:t>#</a:t>
-            </a:r>
-            <a:r>
-              <a:rPr lang="tr-TR" dirty="0" smtClean="0"/>
-              <a:t>kitap</a:t>
-            </a:r>
-            <a:r>
-              <a:rPr lang="tr-TR" dirty="0" smtClean="0"/>
-              <a:t> </a:t>
-            </a:r>
-            <a:r>
-              <a:rPr lang="tr-TR" dirty="0" smtClean="0"/>
-              <a:t>tablosuna </a:t>
+            <a:endParaRPr lang="en-US" dirty="0"/>
+          </a:p>
+          <a:p>
+            <a:pPr marL="0" indent="0">
+              <a:buNone/>
+            </a:pPr>
+            <a:r>
+              <a:rPr lang="tr-TR" dirty="0" smtClean="0"/>
+              <a:t>	#kitap tablosuna </a:t>
             </a:r>
             <a:r>
               <a:rPr lang="tr-TR" dirty="0" err="1" smtClean="0"/>
@@ -4753,22 +4696,22 @@
               <a:buNone/>
             </a:pPr>
             <a:r>
-              <a:rPr lang="tr-TR" dirty="0" err="1"/>
+              <a:rPr lang="tr-TR" b="1" dirty="0" err="1"/>
               <a:t>has_many</a:t>
             </a:r>
             <a:r>
-              <a:rPr lang="tr-TR" dirty="0"/>
+              <a:rPr lang="tr-TR" b="1" dirty="0"/>
               <a:t> </a:t>
             </a:r>
             <a:r>
-              <a:rPr lang="tr-TR" dirty="0" smtClean="0"/>
+              <a:rPr lang="tr-TR" b="1" dirty="0" smtClean="0"/>
               <a:t>:</a:t>
             </a:r>
             <a:r>
-              <a:rPr lang="tr-TR" dirty="0" err="1" smtClean="0"/>
+              <a:rPr lang="tr-TR" b="1" dirty="0" err="1" smtClean="0"/>
               <a:t>kitaps</a:t>
             </a:r>
-            <a:endParaRPr lang="tr-TR" dirty="0" smtClean="0"/>
+            <a:endParaRPr lang="tr-TR" b="1" dirty="0" smtClean="0"/>
           </a:p>
           <a:p>
             <a:pPr marL="0" indent="0">
@@ -4789,18 +4732,18 @@
               <a:buNone/>
             </a:pPr>
             <a:r>
-              <a:rPr lang="tr-TR" dirty="0" err="1"/>
+              <a:rPr lang="tr-TR" b="1" dirty="0" err="1"/>
               <a:t>belongs_to</a:t>
             </a:r>
             <a:r>
-              <a:rPr lang="tr-TR" dirty="0"/>
+              <a:rPr lang="tr-TR" b="1" dirty="0"/>
               <a:t> :</a:t>
             </a:r>
             <a:r>
-              <a:rPr lang="tr-TR" dirty="0" err="1" smtClean="0"/>
+              <a:rPr lang="tr-TR" b="1" dirty="0" err="1" smtClean="0"/>
               <a:t>user</a:t>
             </a:r>
-            <a:endParaRPr lang="tr-TR" dirty="0" smtClean="0"/>
+            <a:endParaRPr lang="tr-TR" b="1" dirty="0" smtClean="0"/>
           </a:p>
           <a:p>
             <a:pPr marL="0" indent="0">
@@ -4938,11 +4881,7 @@
             </a:r>
             <a:r>
               <a:rPr lang="tr-TR" dirty="0" err="1" smtClean="0"/>
-              <a:t>kitap</a:t>
-            </a:r>
-            <a:r>
-              <a:rPr lang="tr-TR" dirty="0" err="1" smtClean="0"/>
-              <a:t>.user</a:t>
+              <a:t>kitap.user</a:t>
             </a:r>
             <a:r>
               <a:rPr lang="tr-TR" dirty="0" smtClean="0"/>
@@ -4968,11 +4907,7 @@
             </a:r>
             <a:r>
               <a:rPr lang="tr-TR" dirty="0" smtClean="0"/>
-              <a:t> </a:t>
-            </a:r>
-            <a:r>
-              <a:rPr lang="tr-TR" dirty="0" smtClean="0"/>
-              <a:t>sayfasında postun kime ait olduğunu gösterelim</a:t>
+              <a:t> sayfasında postun kime ait olduğunu gösterelim</a:t>
             </a:r>
           </a:p>
           <a:p>
@@ -4993,19 +4928,11 @@
             </a:r>
             <a:r>
               <a:rPr lang="tr-TR" dirty="0" err="1" smtClean="0"/>
-              <a:t>kitap</a:t>
-            </a:r>
-            <a:r>
-              <a:rPr lang="tr-TR" dirty="0" err="1" smtClean="0"/>
-              <a:t>.user.email</a:t>
-            </a:r>
-            <a:r>
-              <a:rPr lang="tr-TR" dirty="0" smtClean="0"/>
-              <a:t> </a:t>
-            </a:r>
-            <a:r>
-              <a:rPr lang="tr-TR" dirty="0" smtClean="0"/>
-              <a:t>%&gt;&lt;/</a:t>
+              <a:t>kitap.user.email</a:t>
+            </a:r>
+            <a:r>
+              <a:rPr lang="tr-TR" dirty="0" smtClean="0"/>
+              <a:t> %&gt;&lt;/</a:t>
             </a:r>
             <a:r>
               <a:rPr lang="tr-TR" dirty="0" err="1" smtClean="0"/>
@@ -5128,15 +5055,7 @@
             </a:r>
             <a:r>
               <a:rPr lang="tr-TR" dirty="0" smtClean="0"/>
-              <a:t> olmadan </a:t>
-            </a:r>
-            <a:r>
-              <a:rPr lang="tr-TR" dirty="0" smtClean="0"/>
-              <a:t>kitap oluşturmayı/silmeyi </a:t>
-            </a:r>
-            <a:r>
-              <a:rPr lang="tr-TR" dirty="0" smtClean="0"/>
-              <a:t>engeller!</a:t>
+              <a:t> olmadan kitap oluşturmayı/silmeyi engeller!</a:t>
             </a:r>
           </a:p>
           <a:p>
@@ -5153,13 +5072,8 @@
             </a:r>
             <a:r>
               <a:rPr lang="tr-TR" dirty="0" smtClean="0"/>
-              <a:t> işleminde kendi </a:t>
-            </a:r>
-            <a:r>
-              <a:rPr lang="tr-TR" dirty="0" smtClean="0"/>
-              <a:t>oluşturduğu kitaplar için yapabilmeli</a:t>
-            </a:r>
-            <a:endParaRPr lang="tr-TR" dirty="0" smtClean="0"/>
+              <a:t> işleminde kendi oluşturduğu kitaplar için yapabilmeli</a:t>
+            </a:r>
           </a:p>
           <a:p>
             <a:pPr marL="0" indent="0">
@@ -5227,19 +5141,11 @@
             </a:r>
             <a:r>
               <a:rPr lang="tr-TR" dirty="0" err="1" smtClean="0"/>
-              <a:t>kitap</a:t>
-            </a:r>
-            <a:r>
-              <a:rPr lang="tr-TR" dirty="0" err="1" smtClean="0"/>
-              <a:t>_controller</a:t>
-            </a:r>
-            <a:r>
-              <a:rPr lang="tr-TR" dirty="0" smtClean="0"/>
-              <a:t> </a:t>
-            </a:r>
-            <a:r>
-              <a:rPr lang="tr-TR" dirty="0" smtClean="0"/>
-              <a:t>içinde</a:t>
+              <a:t>kitap_controller</a:t>
+            </a:r>
+            <a:r>
+              <a:rPr lang="tr-TR" dirty="0" smtClean="0"/>
+              <a:t> içinde</a:t>
             </a:r>
             <a:endParaRPr lang="tr-TR" dirty="0"/>
           </a:p>
@@ -5380,11 +5286,7 @@
             </a:r>
             <a:r>
               <a:rPr lang="tr-TR" sz="2000" dirty="0" err="1" smtClean="0"/>
-              <a:t>kitap</a:t>
-            </a:r>
-            <a:r>
-              <a:rPr lang="tr-TR" sz="2000" dirty="0" err="1" smtClean="0"/>
-              <a:t>.user</a:t>
+              <a:t>kitap.user</a:t>
             </a:r>
             <a:r>
               <a:rPr lang="tr-TR" sz="2000" dirty="0"/>
@@ -5414,11 +5316,7 @@
             </a:r>
             <a:r>
               <a:rPr lang="tr-TR" sz="2000" dirty="0" err="1" smtClean="0"/>
-              <a:t>kitap</a:t>
-            </a:r>
-            <a:r>
-              <a:rPr lang="tr-TR" sz="2000" dirty="0" err="1" smtClean="0"/>
-              <a:t>s_path</a:t>
+              <a:t>kitaps_path</a:t>
             </a:r>
             <a:r>
               <a:rPr lang="tr-TR" sz="2000" dirty="0"/>
@@ -5450,11 +5348,7 @@
             </a:r>
             <a:r>
               <a:rPr lang="tr-TR" sz="2000" dirty="0" err="1" smtClean="0"/>
-              <a:t>kitap</a:t>
-            </a:r>
-            <a:r>
-              <a:rPr lang="tr-TR" sz="2000" dirty="0" err="1" smtClean="0"/>
-              <a:t>.user</a:t>
+              <a:t>kitap.user</a:t>
             </a:r>
             <a:endParaRPr lang="tr-TR" sz="2000" dirty="0"/>
           </a:p>
@@ -5580,7 +5474,6 @@
               <a:rPr lang="tr-TR" dirty="0" smtClean="0"/>
               <a:t> isteği</a:t>
             </a:r>
-            <a:endParaRPr lang="tr-TR" dirty="0" smtClean="0"/>
           </a:p>
           <a:p>
             <a:r>

--- a/H9/1-Many.pptx
+++ b/H9/1-Many.pptx
@@ -3872,7 +3872,7 @@
         </p:nvSpPr>
         <p:spPr bwMode="auto">
           <a:xfrm>
-            <a:off x="906162" y="4841159"/>
+            <a:off x="838200" y="4827271"/>
             <a:ext cx="7842422" cy="215444"/>
           </a:xfrm>
           <a:prstGeom prst="rect">
@@ -3916,258 +3916,35 @@
           </a:bodyPr>
           <a:lstStyle/>
           <a:p>
-            <a:pPr marL="0" marR="0" lvl="0" indent="0" algn="l" defTabSz="914400" rtl="0" eaLnBrk="0" fontAlgn="base" latinLnBrk="0" hangingPunct="0">
-              <a:lnSpc>
-                <a:spcPct val="100000"/>
-              </a:lnSpc>
+            <a:pPr lvl="0" eaLnBrk="0" fontAlgn="base" hangingPunct="0">
               <a:spcBef>
                 <a:spcPct val="0"/>
               </a:spcBef>
               <a:spcAft>
                 <a:spcPct val="0"/>
               </a:spcAft>
-              <a:buClrTx/>
-              <a:buSzTx/>
-              <a:buFontTx/>
-              <a:buNone/>
-              <a:tabLst/>
             </a:pPr>
             <a:r>
-              <a:rPr kumimoji="0" lang="tr-TR" altLang="tr-TR" sz="1100" b="0" i="0" u="none" strike="noStrike" cap="none" normalizeH="0" baseline="0" dirty="0" err="1" smtClean="0">
-                <a:ln>
-                  <a:noFill/>
-                </a:ln>
+              <a:rPr lang="tr-TR" altLang="tr-TR" sz="1100" dirty="0" err="1">
                 <a:solidFill>
                   <a:srgbClr val="2B91AF"/>
                 </a:solidFill>
-                <a:effectLst/>
                 <a:latin typeface="inherit" charset="0"/>
                 <a:ea typeface="Calibri" panose="020F0502020204030204" pitchFamily="34" charset="0"/>
                 <a:cs typeface="Courier New" panose="02070309020205020404" pitchFamily="49" charset="0"/>
               </a:rPr>
-              <a:t>AdminUser</a:t>
-            </a:r>
-            <a:r>
-              <a:rPr kumimoji="0" lang="tr-TR" altLang="tr-TR" sz="1100" b="0" i="0" u="none" strike="noStrike" cap="none" normalizeH="0" baseline="0" dirty="0" err="1" smtClean="0">
-                <a:ln>
-                  <a:noFill/>
-                </a:ln>
+              <a:t>AdminUser.create</a:t>
+            </a:r>
+            <a:r>
+              <a:rPr lang="tr-TR" altLang="tr-TR" sz="1100" dirty="0">
                 <a:solidFill>
-                  <a:srgbClr val="303336"/>
+                  <a:srgbClr val="2B91AF"/>
                 </a:solidFill>
-                <a:effectLst/>
                 <a:latin typeface="inherit" charset="0"/>
                 <a:ea typeface="Calibri" panose="020F0502020204030204" pitchFamily="34" charset="0"/>
                 <a:cs typeface="Courier New" panose="02070309020205020404" pitchFamily="49" charset="0"/>
               </a:rPr>
-              <a:t>.create</a:t>
-            </a:r>
-            <a:r>
-              <a:rPr kumimoji="0" lang="tr-TR" altLang="tr-TR" sz="1100" b="0" i="0" u="none" strike="noStrike" cap="none" normalizeH="0" baseline="0" dirty="0" smtClean="0">
-                <a:ln>
-                  <a:noFill/>
-                </a:ln>
-                <a:solidFill>
-                  <a:srgbClr val="303336"/>
-                </a:solidFill>
-                <a:effectLst/>
-                <a:latin typeface="inherit" charset="0"/>
-                <a:ea typeface="Calibri" panose="020F0502020204030204" pitchFamily="34" charset="0"/>
-                <a:cs typeface="Courier New" panose="02070309020205020404" pitchFamily="49" charset="0"/>
-              </a:rPr>
-              <a:t>!(:</a:t>
-            </a:r>
-            <a:r>
-              <a:rPr kumimoji="0" lang="tr-TR" altLang="tr-TR" sz="1100" b="0" i="0" u="none" strike="noStrike" cap="none" normalizeH="0" baseline="0" dirty="0" err="1" smtClean="0">
-                <a:ln>
-                  <a:noFill/>
-                </a:ln>
-                <a:solidFill>
-                  <a:srgbClr val="303336"/>
-                </a:solidFill>
-                <a:effectLst/>
-                <a:latin typeface="inherit" charset="0"/>
-                <a:ea typeface="Calibri" panose="020F0502020204030204" pitchFamily="34" charset="0"/>
-                <a:cs typeface="Courier New" panose="02070309020205020404" pitchFamily="49" charset="0"/>
-              </a:rPr>
-              <a:t>email</a:t>
-            </a:r>
-            <a:r>
-              <a:rPr kumimoji="0" lang="tr-TR" altLang="tr-TR" sz="1100" b="0" i="0" u="none" strike="noStrike" cap="none" normalizeH="0" baseline="0" dirty="0" smtClean="0">
-                <a:ln>
-                  <a:noFill/>
-                </a:ln>
-                <a:solidFill>
-                  <a:srgbClr val="303336"/>
-                </a:solidFill>
-                <a:effectLst/>
-                <a:latin typeface="inherit" charset="0"/>
-                <a:ea typeface="Calibri" panose="020F0502020204030204" pitchFamily="34" charset="0"/>
-                <a:cs typeface="Courier New" panose="02070309020205020404" pitchFamily="49" charset="0"/>
-              </a:rPr>
-              <a:t> =&gt; </a:t>
-            </a:r>
-            <a:r>
-              <a:rPr kumimoji="0" lang="tr-TR" altLang="tr-TR" sz="1100" b="0" i="0" u="none" strike="noStrike" cap="none" normalizeH="0" baseline="0" dirty="0" smtClean="0">
-                <a:ln>
-                  <a:noFill/>
-                </a:ln>
-                <a:solidFill>
-                  <a:srgbClr val="7D2727"/>
-                </a:solidFill>
-                <a:effectLst/>
-                <a:latin typeface="inherit" charset="0"/>
-                <a:ea typeface="Calibri" panose="020F0502020204030204" pitchFamily="34" charset="0"/>
-                <a:cs typeface="Courier New" panose="02070309020205020404" pitchFamily="49" charset="0"/>
-              </a:rPr>
-              <a:t>yonetici@yonetim.com'</a:t>
-            </a:r>
-            <a:r>
-              <a:rPr kumimoji="0" lang="tr-TR" altLang="tr-TR" sz="1100" b="0" i="0" u="none" strike="noStrike" cap="none" normalizeH="0" baseline="0" dirty="0" smtClean="0">
-                <a:ln>
-                  <a:noFill/>
-                </a:ln>
-                <a:solidFill>
-                  <a:srgbClr val="303336"/>
-                </a:solidFill>
-                <a:effectLst/>
-                <a:latin typeface="inherit" charset="0"/>
-                <a:ea typeface="Calibri" panose="020F0502020204030204" pitchFamily="34" charset="0"/>
-                <a:cs typeface="Courier New" panose="02070309020205020404" pitchFamily="49" charset="0"/>
-              </a:rPr>
-              <a:t>, :</a:t>
-            </a:r>
-            <a:r>
-              <a:rPr kumimoji="0" lang="tr-TR" altLang="tr-TR" sz="1100" b="0" i="0" u="none" strike="noStrike" cap="none" normalizeH="0" baseline="0" dirty="0" err="1" smtClean="0">
-                <a:ln>
-                  <a:noFill/>
-                </a:ln>
-                <a:solidFill>
-                  <a:srgbClr val="303336"/>
-                </a:solidFill>
-                <a:effectLst/>
-                <a:latin typeface="inherit" charset="0"/>
-                <a:ea typeface="Calibri" panose="020F0502020204030204" pitchFamily="34" charset="0"/>
-                <a:cs typeface="Courier New" panose="02070309020205020404" pitchFamily="49" charset="0"/>
-              </a:rPr>
-              <a:t>password</a:t>
-            </a:r>
-            <a:r>
-              <a:rPr kumimoji="0" lang="tr-TR" altLang="tr-TR" sz="1100" b="0" i="0" u="none" strike="noStrike" cap="none" normalizeH="0" baseline="0" dirty="0" smtClean="0">
-                <a:ln>
-                  <a:noFill/>
-                </a:ln>
-                <a:solidFill>
-                  <a:srgbClr val="303336"/>
-                </a:solidFill>
-                <a:effectLst/>
-                <a:latin typeface="inherit" charset="0"/>
-                <a:ea typeface="Calibri" panose="020F0502020204030204" pitchFamily="34" charset="0"/>
-                <a:cs typeface="Courier New" panose="02070309020205020404" pitchFamily="49" charset="0"/>
-              </a:rPr>
-              <a:t> =&gt; </a:t>
-            </a:r>
-            <a:r>
-              <a:rPr kumimoji="0" lang="tr-TR" altLang="tr-TR" sz="1100" b="0" i="0" u="none" strike="noStrike" cap="none" normalizeH="0" baseline="0" dirty="0" smtClean="0">
-                <a:ln>
-                  <a:noFill/>
-                </a:ln>
-                <a:solidFill>
-                  <a:srgbClr val="7D2727"/>
-                </a:solidFill>
-                <a:effectLst/>
-                <a:latin typeface="inherit" charset="0"/>
-                <a:ea typeface="Calibri" panose="020F0502020204030204" pitchFamily="34" charset="0"/>
-                <a:cs typeface="Courier New" panose="02070309020205020404" pitchFamily="49" charset="0"/>
-              </a:rPr>
-              <a:t>'123456'</a:t>
-            </a:r>
-            <a:r>
-              <a:rPr kumimoji="0" lang="tr-TR" altLang="tr-TR" sz="1100" b="0" i="0" u="none" strike="noStrike" cap="none" normalizeH="0" baseline="0" dirty="0" smtClean="0">
-                <a:ln>
-                  <a:noFill/>
-                </a:ln>
-                <a:solidFill>
-                  <a:srgbClr val="303336"/>
-                </a:solidFill>
-                <a:effectLst/>
-                <a:latin typeface="inherit" charset="0"/>
-                <a:ea typeface="Calibri" panose="020F0502020204030204" pitchFamily="34" charset="0"/>
-                <a:cs typeface="Courier New" panose="02070309020205020404" pitchFamily="49" charset="0"/>
-              </a:rPr>
-              <a:t>, :</a:t>
-            </a:r>
-            <a:r>
-              <a:rPr kumimoji="0" lang="tr-TR" altLang="tr-TR" sz="1100" b="0" i="0" u="none" strike="noStrike" cap="none" normalizeH="0" baseline="0" dirty="0" err="1" smtClean="0">
-                <a:ln>
-                  <a:noFill/>
-                </a:ln>
-                <a:solidFill>
-                  <a:srgbClr val="303336"/>
-                </a:solidFill>
-                <a:effectLst/>
-                <a:latin typeface="inherit" charset="0"/>
-                <a:ea typeface="Calibri" panose="020F0502020204030204" pitchFamily="34" charset="0"/>
-                <a:cs typeface="Courier New" panose="02070309020205020404" pitchFamily="49" charset="0"/>
-              </a:rPr>
-              <a:t>password_confirmation</a:t>
-            </a:r>
-            <a:r>
-              <a:rPr kumimoji="0" lang="tr-TR" altLang="tr-TR" sz="1100" b="0" i="0" u="none" strike="noStrike" cap="none" normalizeH="0" baseline="0" dirty="0" smtClean="0">
-                <a:ln>
-                  <a:noFill/>
-                </a:ln>
-                <a:solidFill>
-                  <a:srgbClr val="303336"/>
-                </a:solidFill>
-                <a:effectLst/>
-                <a:latin typeface="inherit" charset="0"/>
-                <a:ea typeface="Calibri" panose="020F0502020204030204" pitchFamily="34" charset="0"/>
-                <a:cs typeface="Courier New" panose="02070309020205020404" pitchFamily="49" charset="0"/>
-              </a:rPr>
-              <a:t> =&gt; </a:t>
-            </a:r>
-            <a:r>
-              <a:rPr kumimoji="0" lang="tr-TR" altLang="tr-TR" sz="1100" b="0" i="0" u="none" strike="noStrike" cap="none" normalizeH="0" baseline="0" dirty="0" smtClean="0">
-                <a:ln>
-                  <a:noFill/>
-                </a:ln>
-                <a:solidFill>
-                  <a:srgbClr val="7D2727"/>
-                </a:solidFill>
-                <a:effectLst/>
-                <a:latin typeface="inherit" charset="0"/>
-                <a:ea typeface="Calibri" panose="020F0502020204030204" pitchFamily="34" charset="0"/>
-                <a:cs typeface="Courier New" panose="02070309020205020404" pitchFamily="49" charset="0"/>
-              </a:rPr>
-              <a:t>'123456'</a:t>
-            </a:r>
-            <a:r>
-              <a:rPr kumimoji="0" lang="tr-TR" altLang="tr-TR" sz="1100" b="0" i="0" u="none" strike="noStrike" cap="none" normalizeH="0" baseline="0" dirty="0" smtClean="0">
-                <a:ln>
-                  <a:noFill/>
-                </a:ln>
-                <a:solidFill>
-                  <a:srgbClr val="303336"/>
-                </a:solidFill>
-                <a:effectLst/>
-                <a:latin typeface="inherit" charset="0"/>
-                <a:ea typeface="Calibri" panose="020F0502020204030204" pitchFamily="34" charset="0"/>
-                <a:cs typeface="Courier New" panose="02070309020205020404" pitchFamily="49" charset="0"/>
-              </a:rPr>
-              <a:t>)</a:t>
-            </a:r>
-            <a:r>
-              <a:rPr kumimoji="0" lang="tr-TR" altLang="tr-TR" sz="800" b="0" i="0" u="none" strike="noStrike" cap="none" normalizeH="0" baseline="0" dirty="0" smtClean="0">
-                <a:ln>
-                  <a:noFill/>
-                </a:ln>
-                <a:solidFill>
-                  <a:schemeClr val="tx1"/>
-                </a:solidFill>
-                <a:effectLst/>
-              </a:rPr>
-              <a:t> </a:t>
+              <a:t>(email:"yonetici@yonetim.com",password:"123123",password_confirmation:"123123")</a:t>
             </a:r>
             <a:endParaRPr kumimoji="0" lang="tr-TR" altLang="tr-TR" sz="1800" b="0" i="0" u="none" strike="noStrike" cap="none" normalizeH="0" baseline="0" dirty="0" smtClean="0">
               <a:ln>
@@ -4644,7 +4421,9 @@
         </p:nvSpPr>
         <p:spPr/>
         <p:txBody>
-          <a:bodyPr/>
+          <a:bodyPr>
+            <a:normAutofit lnSpcReduction="10000"/>
+          </a:bodyPr>
           <a:lstStyle/>
           <a:p>
             <a:pPr marL="0" indent="0">
@@ -4666,6 +4445,34 @@
               <a:rPr lang="en-US" b="1" dirty="0" err="1" smtClean="0"/>
               <a:t>user:references</a:t>
             </a:r>
+            <a:endParaRPr lang="tr-TR" b="1" dirty="0" smtClean="0"/>
+          </a:p>
+          <a:p>
+            <a:pPr marL="0" indent="0">
+              <a:buNone/>
+            </a:pPr>
+            <a:r>
+              <a:rPr lang="tr-TR" b="1" dirty="0" smtClean="0"/>
+              <a:t> </a:t>
+            </a:r>
+            <a:r>
+              <a:rPr lang="tr-TR" b="1" dirty="0" err="1" smtClean="0"/>
+              <a:t>rake</a:t>
+            </a:r>
+            <a:r>
+              <a:rPr lang="tr-TR" b="1" dirty="0" smtClean="0"/>
+              <a:t> </a:t>
+            </a:r>
+            <a:r>
+              <a:rPr lang="tr-TR" b="1" dirty="0" err="1" smtClean="0"/>
+              <a:t>db:migrate</a:t>
+            </a:r>
+            <a:endParaRPr lang="tr-TR" b="1" dirty="0" smtClean="0"/>
+          </a:p>
+          <a:p>
+            <a:pPr marL="0" indent="0">
+              <a:buNone/>
+            </a:pPr>
             <a:endParaRPr lang="tr-TR" b="1" dirty="0" smtClean="0"/>
           </a:p>
           <a:p>
@@ -5621,6 +5428,12 @@
               <a:rPr lang="tr-TR" dirty="0" err="1" smtClean="0"/>
               <a:t>set_locale</a:t>
             </a:r>
+            <a:endParaRPr lang="tr-TR" dirty="0" smtClean="0"/>
+          </a:p>
+          <a:p>
+            <a:pPr marL="0" indent="0">
+              <a:buNone/>
+            </a:pPr>
             <a:endParaRPr lang="tr-TR" dirty="0" smtClean="0"/>
           </a:p>
           <a:p>

--- a/H9/1-Many.pptx
+++ b/H9/1-Many.pptx
@@ -3466,14 +3466,18 @@
             </a:pPr>
             <a:r>
               <a:rPr lang="tr-TR" dirty="0" smtClean="0"/>
-              <a:t>	 &lt;%= t '</a:t>
-            </a:r>
-            <a:r>
-              <a:rPr lang="tr-TR" dirty="0" err="1" smtClean="0"/>
+              <a:t>	 </a:t>
+            </a:r>
+            <a:r>
+              <a:rPr lang="tr-TR" b="1" dirty="0" smtClean="0"/>
+              <a:t>&lt;%= t '</a:t>
+            </a:r>
+            <a:r>
+              <a:rPr lang="tr-TR" b="1" dirty="0" err="1" smtClean="0"/>
               <a:t>welcome</a:t>
             </a:r>
             <a:r>
-              <a:rPr lang="tr-TR" dirty="0" smtClean="0"/>
+              <a:rPr lang="tr-TR" b="1" dirty="0" smtClean="0"/>
               <a:t>'%&gt;</a:t>
             </a:r>
           </a:p>
@@ -3612,31 +3616,31 @@
               <a:buNone/>
             </a:pPr>
             <a:r>
-              <a:rPr lang="en-US" dirty="0" smtClean="0"/>
+              <a:rPr lang="en-US" b="1" dirty="0" smtClean="0"/>
               <a:t>&lt;%= </a:t>
             </a:r>
             <a:r>
-              <a:rPr lang="en-US" dirty="0" err="1" smtClean="0"/>
+              <a:rPr lang="en-US" b="1" dirty="0" err="1" smtClean="0"/>
               <a:t>link_to</a:t>
             </a:r>
             <a:r>
-              <a:rPr lang="en-US" dirty="0" smtClean="0"/>
+              <a:rPr lang="en-US" b="1" dirty="0" smtClean="0"/>
               <a:t> "</a:t>
             </a:r>
             <a:r>
-              <a:rPr lang="en-US" dirty="0" err="1" smtClean="0"/>
+              <a:rPr lang="en-US" b="1" dirty="0" err="1" smtClean="0"/>
               <a:t>En</a:t>
             </a:r>
             <a:r>
-              <a:rPr lang="en-US" dirty="0" smtClean="0"/>
+              <a:rPr lang="en-US" b="1" dirty="0" smtClean="0"/>
               <a:t>",{:locale =&gt; "</a:t>
             </a:r>
             <a:r>
-              <a:rPr lang="en-US" dirty="0" err="1" smtClean="0"/>
+              <a:rPr lang="en-US" b="1" dirty="0" err="1" smtClean="0"/>
               <a:t>en</a:t>
             </a:r>
             <a:r>
-              <a:rPr lang="en-US" dirty="0" smtClean="0"/>
+              <a:rPr lang="en-US" b="1" dirty="0" smtClean="0"/>
               <a:t>"} %&gt;</a:t>
             </a:r>
           </a:p>
@@ -3645,34 +3649,34 @@
               <a:buNone/>
             </a:pPr>
             <a:r>
-              <a:rPr lang="en-US" dirty="0" smtClean="0"/>
+              <a:rPr lang="en-US" b="1" dirty="0" smtClean="0"/>
               <a:t>&lt;%= </a:t>
             </a:r>
             <a:r>
-              <a:rPr lang="en-US" dirty="0" err="1" smtClean="0"/>
+              <a:rPr lang="en-US" b="1" dirty="0" err="1" smtClean="0"/>
               <a:t>link_to</a:t>
             </a:r>
             <a:r>
-              <a:rPr lang="en-US" dirty="0" smtClean="0"/>
+              <a:rPr lang="en-US" b="1" dirty="0" smtClean="0"/>
               <a:t> "</a:t>
             </a:r>
             <a:r>
-              <a:rPr lang="en-US" dirty="0" err="1" smtClean="0"/>
+              <a:rPr lang="en-US" b="1" dirty="0" err="1" smtClean="0"/>
               <a:t>Tr</a:t>
             </a:r>
             <a:r>
-              <a:rPr lang="en-US" dirty="0" smtClean="0"/>
+              <a:rPr lang="en-US" b="1" dirty="0" smtClean="0"/>
               <a:t>",{:locale =&gt; "</a:t>
             </a:r>
             <a:r>
-              <a:rPr lang="en-US" dirty="0" err="1" smtClean="0"/>
+              <a:rPr lang="en-US" b="1" dirty="0" err="1" smtClean="0"/>
               <a:t>tr</a:t>
             </a:r>
             <a:r>
-              <a:rPr lang="en-US" dirty="0" smtClean="0"/>
+              <a:rPr lang="en-US" b="1" dirty="0" smtClean="0"/>
               <a:t>"} %&gt;</a:t>
             </a:r>
-            <a:endParaRPr lang="tr-TR" dirty="0"/>
+            <a:endParaRPr lang="tr-TR" b="1" dirty="0"/>
           </a:p>
         </p:txBody>
       </p:sp>
@@ -3752,7 +3756,9 @@
         </p:nvSpPr>
         <p:spPr/>
         <p:txBody>
-          <a:bodyPr/>
+          <a:bodyPr>
+            <a:normAutofit lnSpcReduction="10000"/>
+          </a:bodyPr>
           <a:lstStyle/>
           <a:p>
             <a:r>
@@ -3769,10 +3775,12 @@
             </a:r>
             <a:r>
               <a:rPr lang="tr-TR" dirty="0" smtClean="0"/>
-              <a:t> paneli oluşturur</a:t>
-            </a:r>
-          </a:p>
-          <a:p>
+              <a:t> paneli </a:t>
+            </a:r>
+            <a:r>
+              <a:rPr lang="tr-TR" dirty="0" smtClean="0"/>
+              <a:t>oluşturur</a:t>
+            </a:r>
             <a:endParaRPr lang="tr-TR" dirty="0"/>
           </a:p>
           <a:p>
@@ -3843,21 +3851,80 @@
             </a:r>
             <a:r>
               <a:rPr lang="tr-TR" dirty="0"/>
-              <a:t> Model</a:t>
-            </a:r>
-          </a:p>
-          <a:p>
-            <a:endParaRPr lang="tr-TR" dirty="0"/>
-          </a:p>
-          <a:p>
-            <a:r>
-              <a:rPr lang="tr-TR" dirty="0" smtClean="0"/>
-              <a:t>/</a:t>
+              <a:t> </a:t>
+            </a:r>
+            <a:r>
+              <a:rPr lang="tr-TR" i="1" dirty="0" err="1" smtClean="0"/>
+              <a:t>Tablo_İsmi</a:t>
+            </a:r>
+            <a:endParaRPr lang="tr-TR" i="1" dirty="0" smtClean="0"/>
+          </a:p>
+          <a:p>
+            <a:r>
+              <a:rPr lang="tr-TR" dirty="0" smtClean="0"/>
+              <a:t>#</a:t>
+            </a:r>
+            <a:r>
+              <a:rPr lang="tr-TR" dirty="0" err="1" smtClean="0"/>
+              <a:t>Tablo_ismi</a:t>
+            </a:r>
+            <a:r>
+              <a:rPr lang="tr-TR" dirty="0" smtClean="0"/>
+              <a:t> </a:t>
             </a:r>
             <a:r>
               <a:rPr lang="tr-TR" dirty="0" err="1" smtClean="0"/>
               <a:t>admin</a:t>
             </a:r>
+            <a:r>
+              <a:rPr lang="tr-TR" dirty="0" smtClean="0"/>
+              <a:t> </a:t>
+            </a:r>
+            <a:r>
+              <a:rPr lang="tr-TR" dirty="0" err="1" smtClean="0"/>
+              <a:t>arayüzüne</a:t>
+            </a:r>
+            <a:r>
+              <a:rPr lang="tr-TR" dirty="0" smtClean="0"/>
+              <a:t> dahil edilecek tablo isimleri olmalıdır.</a:t>
+            </a:r>
+            <a:endParaRPr lang="tr-TR" dirty="0" smtClean="0"/>
+          </a:p>
+          <a:p>
+            <a:r>
+              <a:rPr lang="tr-TR" dirty="0" smtClean="0"/>
+              <a:t>#</a:t>
+            </a:r>
+            <a:r>
+              <a:rPr lang="tr-TR" i="1" u="sng" dirty="0" smtClean="0"/>
+              <a:t>Alttaki satır </a:t>
+            </a:r>
+            <a:r>
+              <a:rPr lang="tr-TR" sz="3200" b="1" i="1" u="sng" dirty="0" err="1" smtClean="0"/>
+              <a:t>rails</a:t>
+            </a:r>
+            <a:r>
+              <a:rPr lang="tr-TR" sz="3200" b="1" i="1" u="sng" dirty="0" smtClean="0"/>
+              <a:t> c </a:t>
+            </a:r>
+            <a:r>
+              <a:rPr lang="tr-TR" i="1" u="sng" dirty="0" smtClean="0"/>
+              <a:t>ortamında eklenecek</a:t>
+            </a:r>
+            <a:endParaRPr lang="tr-TR" i="1" u="sng" dirty="0"/>
+          </a:p>
+          <a:p>
+            <a:endParaRPr lang="tr-TR" dirty="0" smtClean="0"/>
+          </a:p>
+          <a:p>
+            <a:r>
+              <a:rPr lang="tr-TR" dirty="0" smtClean="0"/>
+              <a:t>/</a:t>
+            </a:r>
+            <a:r>
+              <a:rPr lang="tr-TR" dirty="0" err="1" smtClean="0"/>
+              <a:t>admin</a:t>
+            </a:r>
             <a:endParaRPr lang="tr-TR" dirty="0"/>
           </a:p>
         </p:txBody>
@@ -3872,7 +3939,7 @@
         </p:nvSpPr>
         <p:spPr bwMode="auto">
           <a:xfrm>
-            <a:off x="838200" y="4827271"/>
+            <a:off x="1167984" y="5127074"/>
             <a:ext cx="7842422" cy="215444"/>
           </a:xfrm>
           <a:prstGeom prst="rect">
@@ -3975,8 +4042,8 @@
         </p:blipFill>
         <p:spPr>
           <a:xfrm>
-            <a:off x="6010018" y="2487094"/>
-            <a:ext cx="4493226" cy="1636818"/>
+            <a:off x="6704351" y="2247251"/>
+            <a:ext cx="3952542" cy="1439855"/>
           </a:xfrm>
           <a:prstGeom prst="rect">
             <a:avLst/>
@@ -4422,7 +4489,7 @@
         <p:spPr/>
         <p:txBody>
           <a:bodyPr>
-            <a:normAutofit lnSpcReduction="10000"/>
+            <a:normAutofit fontScale="92500" lnSpcReduction="20000"/>
           </a:bodyPr>
           <a:lstStyle/>
           <a:p>
@@ -4430,8 +4497,30 @@
               <a:buNone/>
             </a:pPr>
             <a:r>
+              <a:rPr lang="tr-TR" dirty="0" smtClean="0"/>
+              <a:t>#Terminal komutları</a:t>
+            </a:r>
+            <a:r>
+              <a:rPr lang="en-US" dirty="0" smtClean="0"/>
+              <a:t> </a:t>
+            </a:r>
+            <a:endParaRPr lang="tr-TR" dirty="0" smtClean="0"/>
+          </a:p>
+          <a:p>
+            <a:pPr marL="0" indent="0">
+              <a:buNone/>
+            </a:pPr>
+            <a:r>
+              <a:rPr lang="tr-TR" b="1" dirty="0" smtClean="0"/>
+              <a:t> </a:t>
+            </a:r>
+            <a:r>
+              <a:rPr lang="en-US" b="1" dirty="0" smtClean="0"/>
+              <a:t>rails </a:t>
+            </a:r>
+            <a:r>
               <a:rPr lang="en-US" b="1" dirty="0"/>
-              <a:t> rails g  migration </a:t>
+              <a:t>g  migration </a:t>
             </a:r>
             <a:r>
               <a:rPr lang="en-US" b="1" dirty="0" err="1"/>
@@ -4487,7 +4576,11 @@
             </a:pPr>
             <a:r>
               <a:rPr lang="tr-TR" dirty="0" smtClean="0"/>
-              <a:t>	#kitap tablosuna </a:t>
+              <a:t>#</a:t>
+            </a:r>
+            <a:r>
+              <a:rPr lang="tr-TR" dirty="0" smtClean="0"/>
+              <a:t>kitap tablosuna </a:t>
             </a:r>
             <a:r>
               <a:rPr lang="tr-TR" dirty="0" err="1" smtClean="0"/>
@@ -4530,7 +4623,11 @@
             </a:r>
             <a:r>
               <a:rPr lang="tr-TR" dirty="0" smtClean="0"/>
-              <a:t>#User modelinde</a:t>
+              <a:t>#User </a:t>
+            </a:r>
+            <a:r>
+              <a:rPr lang="tr-TR" dirty="0" smtClean="0"/>
+              <a:t>modeline eklenecek</a:t>
             </a:r>
             <a:endParaRPr lang="tr-TR" dirty="0"/>
           </a:p>
@@ -4562,7 +4659,11 @@
             </a:r>
             <a:r>
               <a:rPr lang="tr-TR" dirty="0" smtClean="0"/>
-              <a:t>#Kitap modelinde</a:t>
+              <a:t>#Kitap </a:t>
+            </a:r>
+            <a:r>
+              <a:rPr lang="tr-TR" dirty="0" smtClean="0"/>
+              <a:t>modeline eklenecek</a:t>
             </a:r>
             <a:endParaRPr lang="tr-TR" dirty="0"/>
           </a:p>
@@ -4651,7 +4752,31 @@
           <a:p>
             <a:r>
               <a:rPr lang="tr-TR" dirty="0" smtClean="0"/>
-              <a:t>Kitap kaydederken </a:t>
+              <a:t>Aşağıdaki satır </a:t>
+            </a:r>
+            <a:r>
+              <a:rPr lang="tr-TR" dirty="0" err="1" smtClean="0"/>
+              <a:t>app</a:t>
+            </a:r>
+            <a:r>
+              <a:rPr lang="tr-TR" dirty="0" smtClean="0"/>
+              <a:t>/</a:t>
+            </a:r>
+            <a:r>
+              <a:rPr lang="tr-TR" dirty="0" err="1" smtClean="0"/>
+              <a:t>controllers</a:t>
+            </a:r>
+            <a:r>
+              <a:rPr lang="tr-TR" dirty="0" smtClean="0"/>
+              <a:t>/</a:t>
+            </a:r>
+            <a:r>
+              <a:rPr lang="tr-TR" dirty="0" err="1" smtClean="0"/>
+              <a:t>kitap_controller.rb</a:t>
+            </a:r>
+            <a:r>
+              <a:rPr lang="tr-TR" dirty="0" smtClean="0"/>
+              <a:t> içindeki </a:t>
             </a:r>
             <a:r>
               <a:rPr lang="tr-TR" dirty="0" err="1" smtClean="0"/>
@@ -4659,23 +4784,74 @@
             </a:r>
             <a:r>
               <a:rPr lang="tr-TR" dirty="0" smtClean="0"/>
+              <a:t> metodunun içine yazılacak</a:t>
+            </a:r>
+          </a:p>
+          <a:p>
+            <a:pPr marL="457200" lvl="1" indent="0">
+              <a:buNone/>
+            </a:pPr>
+            <a:r>
+              <a:rPr lang="tr-TR" dirty="0" smtClean="0"/>
+              <a:t>@</a:t>
+            </a:r>
+            <a:r>
+              <a:rPr lang="tr-TR" b="1" dirty="0" err="1" smtClean="0"/>
+              <a:t>kitap.user</a:t>
+            </a:r>
+            <a:r>
+              <a:rPr lang="tr-TR" b="1" dirty="0" smtClean="0"/>
+              <a:t>=</a:t>
+            </a:r>
+            <a:r>
+              <a:rPr lang="tr-TR" b="1" dirty="0" err="1" smtClean="0"/>
+              <a:t>current_user</a:t>
+            </a:r>
+            <a:endParaRPr lang="tr-TR" b="1" dirty="0" smtClean="0"/>
+          </a:p>
+          <a:p>
+            <a:endParaRPr lang="tr-TR" dirty="0"/>
+          </a:p>
+          <a:p>
+            <a:r>
+              <a:rPr lang="tr-TR" dirty="0" err="1" smtClean="0"/>
+              <a:t>App</a:t>
+            </a:r>
+            <a:r>
+              <a:rPr lang="tr-TR" dirty="0" smtClean="0"/>
+              <a:t>/</a:t>
+            </a:r>
+            <a:r>
+              <a:rPr lang="tr-TR" dirty="0" err="1" smtClean="0"/>
+              <a:t>views</a:t>
+            </a:r>
+            <a:r>
+              <a:rPr lang="tr-TR" dirty="0" smtClean="0"/>
+              <a:t>/</a:t>
+            </a:r>
+            <a:r>
+              <a:rPr lang="tr-TR" dirty="0" err="1" smtClean="0"/>
+              <a:t>kitaps</a:t>
+            </a:r>
+            <a:r>
+              <a:rPr lang="tr-TR" dirty="0" smtClean="0"/>
+              <a:t>/</a:t>
+            </a:r>
+            <a:r>
+              <a:rPr lang="tr-TR" dirty="0" err="1" smtClean="0"/>
+              <a:t>index.html.erb</a:t>
+            </a:r>
+            <a:r>
+              <a:rPr lang="tr-TR" dirty="0" smtClean="0"/>
               <a:t> </a:t>
             </a:r>
             <a:r>
-              <a:rPr lang="tr-TR" dirty="0" err="1" smtClean="0"/>
-              <a:t>methodunda</a:t>
-            </a:r>
-            <a:r>
-              <a:rPr lang="tr-TR" dirty="0" smtClean="0"/>
-              <a:t> </a:t>
-            </a:r>
-            <a:r>
-              <a:rPr lang="tr-TR" dirty="0" err="1" smtClean="0"/>
-              <a:t>userı</a:t>
-            </a:r>
-            <a:r>
-              <a:rPr lang="tr-TR" dirty="0" smtClean="0"/>
-              <a:t> seçmeliyiz</a:t>
+              <a:rPr lang="tr-TR" dirty="0" smtClean="0"/>
+              <a:t>sayfasında </a:t>
+            </a:r>
+            <a:r>
+              <a:rPr lang="tr-TR" dirty="0" smtClean="0"/>
+              <a:t>kitabı oluşturan kullanıcı bilgisini görüntüleme </a:t>
             </a:r>
           </a:p>
           <a:p>
@@ -4683,73 +4859,34 @@
               <a:buNone/>
             </a:pPr>
             <a:r>
-              <a:rPr lang="tr-TR" dirty="0" smtClean="0"/>
-              <a:t>@</a:t>
-            </a:r>
-            <a:r>
-              <a:rPr lang="tr-TR" dirty="0" err="1" smtClean="0"/>
-              <a:t>kitap.user</a:t>
-            </a:r>
-            <a:r>
-              <a:rPr lang="tr-TR" dirty="0" smtClean="0"/>
-              <a:t>=</a:t>
-            </a:r>
-            <a:r>
-              <a:rPr lang="tr-TR" dirty="0" err="1" smtClean="0"/>
-              <a:t>current_user</a:t>
-            </a:r>
-            <a:endParaRPr lang="tr-TR" dirty="0" smtClean="0"/>
-          </a:p>
-          <a:p>
-            <a:endParaRPr lang="tr-TR" dirty="0"/>
-          </a:p>
-          <a:p>
-            <a:r>
-              <a:rPr lang="tr-TR" dirty="0" err="1"/>
-              <a:t>i</a:t>
-            </a:r>
-            <a:r>
-              <a:rPr lang="tr-TR" dirty="0" err="1" smtClean="0"/>
-              <a:t>ndex</a:t>
-            </a:r>
-            <a:r>
-              <a:rPr lang="tr-TR" dirty="0" smtClean="0"/>
-              <a:t> sayfasında postun kime ait olduğunu gösterelim</a:t>
-            </a:r>
-          </a:p>
-          <a:p>
-            <a:pPr marL="457200" lvl="1" indent="0">
-              <a:buNone/>
-            </a:pPr>
-            <a:r>
-              <a:rPr lang="tr-TR" dirty="0" smtClean="0"/>
+              <a:rPr lang="tr-TR" b="1" dirty="0" smtClean="0"/>
               <a:t>&lt;</a:t>
             </a:r>
             <a:r>
-              <a:rPr lang="tr-TR" dirty="0" err="1" smtClean="0"/>
+              <a:rPr lang="tr-TR" b="1" dirty="0" err="1" smtClean="0"/>
               <a:t>td</a:t>
             </a:r>
             <a:r>
-              <a:rPr lang="tr-TR" dirty="0" smtClean="0"/>
+              <a:rPr lang="tr-TR" b="1" dirty="0" smtClean="0"/>
               <a:t>&gt;&lt;%= </a:t>
             </a:r>
             <a:r>
-              <a:rPr lang="tr-TR" dirty="0" err="1" smtClean="0"/>
+              <a:rPr lang="tr-TR" b="1" dirty="0" err="1" smtClean="0"/>
               <a:t>kitap.user.email</a:t>
             </a:r>
             <a:r>
-              <a:rPr lang="tr-TR" dirty="0" smtClean="0"/>
+              <a:rPr lang="tr-TR" b="1" dirty="0" smtClean="0"/>
               <a:t> %&gt;&lt;/</a:t>
             </a:r>
             <a:r>
-              <a:rPr lang="tr-TR" dirty="0" err="1" smtClean="0"/>
+              <a:rPr lang="tr-TR" b="1" dirty="0" err="1" smtClean="0"/>
               <a:t>td</a:t>
             </a:r>
             <a:r>
-              <a:rPr lang="tr-TR" dirty="0" smtClean="0"/>
+              <a:rPr lang="tr-TR" b="1" dirty="0" smtClean="0"/>
               <a:t>&gt;</a:t>
             </a:r>
-            <a:endParaRPr lang="tr-TR" dirty="0"/>
+            <a:endParaRPr lang="tr-TR" b="1" dirty="0"/>
           </a:p>
         </p:txBody>
       </p:sp>
@@ -4807,7 +4944,11 @@
           <a:p>
             <a:r>
               <a:rPr lang="tr-TR" dirty="0" smtClean="0"/>
-              <a:t>Yetki Denetimi</a:t>
+              <a:t>Kullanıcı </a:t>
+            </a:r>
+            <a:r>
+              <a:rPr lang="tr-TR" dirty="0" smtClean="0"/>
+              <a:t>Denetimi</a:t>
             </a:r>
             <a:endParaRPr lang="tr-TR" dirty="0"/>
           </a:p>
@@ -4832,21 +4973,68 @@
               <a:buNone/>
             </a:pPr>
             <a:r>
+              <a:rPr lang="tr-TR" dirty="0" smtClean="0"/>
+              <a:t>#</a:t>
+            </a:r>
+            <a:r>
               <a:rPr lang="tr-TR" dirty="0" err="1" smtClean="0"/>
+              <a:t>a</a:t>
+            </a:r>
+            <a:r>
+              <a:rPr lang="tr-TR" dirty="0" err="1" smtClean="0"/>
+              <a:t>pp</a:t>
+            </a:r>
+            <a:r>
+              <a:rPr lang="tr-TR" dirty="0" smtClean="0"/>
+              <a:t>/</a:t>
+            </a:r>
+            <a:r>
+              <a:rPr lang="tr-TR" dirty="0" err="1" smtClean="0"/>
+              <a:t>controller</a:t>
+            </a:r>
+            <a:r>
+              <a:rPr lang="tr-TR" dirty="0" smtClean="0"/>
+              <a:t>/</a:t>
+            </a:r>
+            <a:r>
+              <a:rPr lang="tr-TR" dirty="0" err="1" smtClean="0"/>
+              <a:t>kitap_controller.rb</a:t>
+            </a:r>
+            <a:r>
+              <a:rPr lang="tr-TR" dirty="0" smtClean="0"/>
+              <a:t> </a:t>
+            </a:r>
+          </a:p>
+          <a:p>
+            <a:pPr marL="0" indent="0">
+              <a:buNone/>
+            </a:pPr>
+            <a:r>
+              <a:rPr lang="tr-TR" b="1" dirty="0" err="1" smtClean="0"/>
               <a:t>before_action</a:t>
             </a:r>
             <a:r>
-              <a:rPr lang="tr-TR" dirty="0" smtClean="0"/>
-              <a:t> :</a:t>
-            </a:r>
-            <a:r>
-              <a:rPr lang="tr-TR" dirty="0" err="1" smtClean="0"/>
+              <a:rPr lang="tr-TR" b="1" dirty="0" smtClean="0"/>
+              <a:t> </a:t>
+            </a:r>
+            <a:r>
+              <a:rPr lang="tr-TR" b="1" dirty="0" smtClean="0"/>
+              <a:t>:</a:t>
+            </a:r>
+            <a:r>
+              <a:rPr lang="tr-TR" b="1" dirty="0" err="1" smtClean="0"/>
               <a:t>authenticate_user</a:t>
             </a:r>
             <a:r>
-              <a:rPr lang="tr-TR" dirty="0" smtClean="0"/>
+              <a:rPr lang="tr-TR" b="1" dirty="0" smtClean="0"/>
               <a:t>!</a:t>
             </a:r>
+          </a:p>
+          <a:p>
+            <a:pPr marL="0" indent="0">
+              <a:buNone/>
+            </a:pPr>
+            <a:endParaRPr lang="tr-TR" dirty="0" smtClean="0"/>
           </a:p>
           <a:p>
             <a:pPr marL="0" indent="0">
@@ -4970,44 +5158,96 @@
         </p:nvSpPr>
         <p:spPr/>
         <p:txBody>
-          <a:bodyPr/>
+          <a:bodyPr>
+            <a:normAutofit fontScale="92500" lnSpcReduction="20000"/>
+          </a:bodyPr>
           <a:lstStyle/>
           <a:p>
             <a:pPr marL="0" indent="0">
               <a:buNone/>
             </a:pPr>
             <a:r>
-              <a:rPr lang="tr-TR" dirty="0" err="1"/>
+              <a:rPr lang="tr-TR" dirty="0" smtClean="0"/>
+              <a:t>#</a:t>
+            </a:r>
+            <a:r>
+              <a:rPr lang="tr-TR" dirty="0" err="1" smtClean="0"/>
+              <a:t>app</a:t>
+            </a:r>
+            <a:r>
+              <a:rPr lang="tr-TR" dirty="0" smtClean="0"/>
+              <a:t>/</a:t>
+            </a:r>
+            <a:r>
+              <a:rPr lang="tr-TR" dirty="0" err="1" smtClean="0"/>
+              <a:t>controller</a:t>
+            </a:r>
+            <a:r>
+              <a:rPr lang="tr-TR" dirty="0" smtClean="0"/>
+              <a:t>/</a:t>
+            </a:r>
+            <a:r>
+              <a:rPr lang="tr-TR" dirty="0" err="1" smtClean="0"/>
+              <a:t>kitap_controller.rb</a:t>
+            </a:r>
+            <a:r>
+              <a:rPr lang="tr-TR" dirty="0" smtClean="0"/>
+              <a:t> </a:t>
+            </a:r>
+            <a:endParaRPr lang="tr-TR" dirty="0"/>
+          </a:p>
+          <a:p>
+            <a:pPr marL="0" indent="0">
+              <a:buNone/>
+            </a:pPr>
+            <a:endParaRPr lang="tr-TR" dirty="0" smtClean="0"/>
+          </a:p>
+          <a:p>
+            <a:pPr marL="0" indent="0">
+              <a:buNone/>
+            </a:pPr>
+            <a:r>
+              <a:rPr lang="tr-TR" b="1" dirty="0" err="1" smtClean="0"/>
               <a:t>before_action</a:t>
             </a:r>
             <a:r>
-              <a:rPr lang="tr-TR" dirty="0"/>
-              <a:t> :kontrol, </a:t>
-            </a:r>
-            <a:r>
-              <a:rPr lang="tr-TR" dirty="0" err="1"/>
+              <a:rPr lang="tr-TR" b="1" dirty="0" smtClean="0"/>
+              <a:t> </a:t>
+            </a:r>
+            <a:r>
+              <a:rPr lang="tr-TR" b="1" dirty="0"/>
+              <a:t>:kontrol, </a:t>
+            </a:r>
+            <a:r>
+              <a:rPr lang="tr-TR" b="1" dirty="0" err="1"/>
               <a:t>only</a:t>
             </a:r>
             <a:r>
-              <a:rPr lang="tr-TR" dirty="0"/>
+              <a:rPr lang="tr-TR" b="1" dirty="0"/>
               <a:t>: [:</a:t>
             </a:r>
             <a:r>
-              <a:rPr lang="tr-TR" dirty="0" err="1"/>
+              <a:rPr lang="tr-TR" b="1" dirty="0" err="1"/>
               <a:t>edit</a:t>
             </a:r>
             <a:r>
-              <a:rPr lang="tr-TR" dirty="0"/>
+              <a:rPr lang="tr-TR" b="1" dirty="0"/>
               <a:t>, :</a:t>
             </a:r>
             <a:r>
-              <a:rPr lang="tr-TR" dirty="0" err="1"/>
+              <a:rPr lang="tr-TR" b="1" dirty="0" err="1"/>
               <a:t>destroy</a:t>
             </a:r>
             <a:r>
-              <a:rPr lang="tr-TR" dirty="0"/>
+              <a:rPr lang="tr-TR" b="1" dirty="0" smtClean="0"/>
               <a:t>]</a:t>
             </a:r>
+          </a:p>
+          <a:p>
+            <a:pPr marL="0" indent="0">
+              <a:buNone/>
+            </a:pPr>
+            <a:endParaRPr lang="tr-TR" dirty="0"/>
           </a:p>
           <a:p>
             <a:pPr marL="0" indent="0">
@@ -5042,12 +5282,8 @@
               <a:t> olan kullanıcı mı?, aşağıdaki </a:t>
             </a:r>
             <a:r>
-              <a:rPr lang="tr-TR" dirty="0" err="1" smtClean="0"/>
-              <a:t>metoti</a:t>
-            </a:r>
-            <a:r>
-              <a:rPr lang="tr-TR" dirty="0" smtClean="0"/>
-              <a:t> </a:t>
+              <a:rPr lang="tr-TR" dirty="0" smtClean="0"/>
+              <a:t>metot </a:t>
             </a:r>
             <a:r>
               <a:rPr lang="tr-TR" dirty="0" err="1" smtClean="0"/>
@@ -5063,11 +5299,11 @@
               <a:buNone/>
             </a:pPr>
             <a:r>
-              <a:rPr lang="tr-TR" dirty="0"/>
+              <a:rPr lang="tr-TR" b="1" dirty="0"/>
               <a:t> </a:t>
             </a:r>
             <a:r>
-              <a:rPr lang="tr-TR" sz="2000" dirty="0"/>
+              <a:rPr lang="tr-TR" sz="2000" b="1" dirty="0"/>
               <a:t>def kontrol</a:t>
             </a:r>
           </a:p>
@@ -5076,116 +5312,116 @@
               <a:buNone/>
             </a:pPr>
             <a:r>
-              <a:rPr lang="tr-TR" sz="2000" dirty="0"/>
+              <a:rPr lang="tr-TR" sz="2000" b="1" dirty="0"/>
               <a:t>      </a:t>
             </a:r>
             <a:r>
-              <a:rPr lang="tr-TR" sz="2000" dirty="0" err="1"/>
+              <a:rPr lang="tr-TR" sz="2000" b="1" dirty="0" err="1"/>
               <a:t>unless</a:t>
             </a:r>
             <a:r>
-              <a:rPr lang="tr-TR" sz="2000" dirty="0"/>
+              <a:rPr lang="tr-TR" sz="2000" b="1" dirty="0"/>
               <a:t> </a:t>
             </a:r>
             <a:r>
-              <a:rPr lang="tr-TR" sz="2000" dirty="0" smtClean="0"/>
+              <a:rPr lang="tr-TR" sz="2000" b="1" dirty="0" smtClean="0"/>
               <a:t>@</a:t>
             </a:r>
             <a:r>
-              <a:rPr lang="tr-TR" sz="2000" dirty="0" err="1" smtClean="0"/>
+              <a:rPr lang="tr-TR" sz="2000" b="1" dirty="0" err="1" smtClean="0"/>
               <a:t>kitap.user</a:t>
             </a:r>
             <a:r>
-              <a:rPr lang="tr-TR" sz="2000" dirty="0"/>
+              <a:rPr lang="tr-TR" sz="2000" b="1" dirty="0"/>
               <a:t>==</a:t>
             </a:r>
             <a:r>
-              <a:rPr lang="tr-TR" sz="2000" dirty="0" err="1"/>
+              <a:rPr lang="tr-TR" sz="2000" b="1" dirty="0" err="1"/>
               <a:t>current_user</a:t>
             </a:r>
-            <a:endParaRPr lang="tr-TR" sz="2000" dirty="0"/>
+            <a:endParaRPr lang="tr-TR" sz="2000" b="1" dirty="0"/>
           </a:p>
           <a:p>
             <a:pPr marL="0" indent="0">
               <a:buNone/>
             </a:pPr>
             <a:r>
-              <a:rPr lang="tr-TR" sz="2000" dirty="0"/>
+              <a:rPr lang="tr-TR" sz="2000" b="1" dirty="0"/>
               <a:t>        </a:t>
             </a:r>
             <a:r>
-              <a:rPr lang="tr-TR" sz="2000" dirty="0" err="1"/>
+              <a:rPr lang="tr-TR" sz="2000" b="1" dirty="0" err="1"/>
               <a:t>redirect_to</a:t>
             </a:r>
             <a:r>
-              <a:rPr lang="tr-TR" sz="2000" dirty="0"/>
+              <a:rPr lang="tr-TR" sz="2000" b="1" dirty="0"/>
               <a:t> </a:t>
             </a:r>
             <a:r>
-              <a:rPr lang="tr-TR" sz="2000" dirty="0" err="1" smtClean="0"/>
+              <a:rPr lang="tr-TR" sz="2000" b="1" dirty="0" err="1" smtClean="0"/>
               <a:t>kitaps_path</a:t>
             </a:r>
             <a:r>
-              <a:rPr lang="tr-TR" sz="2000" dirty="0"/>
+              <a:rPr lang="tr-TR" sz="2000" b="1" dirty="0"/>
               <a:t>, </a:t>
             </a:r>
             <a:r>
-              <a:rPr lang="tr-TR" sz="2000" dirty="0" err="1"/>
+              <a:rPr lang="tr-TR" sz="2000" b="1" dirty="0" err="1"/>
               <a:t>notice</a:t>
             </a:r>
             <a:r>
-              <a:rPr lang="tr-TR" sz="2000" dirty="0"/>
+              <a:rPr lang="tr-TR" sz="2000" b="1" dirty="0"/>
               <a:t>:"Yetki problemi" </a:t>
             </a:r>
             <a:r>
-              <a:rPr lang="tr-TR" sz="2000" dirty="0" err="1"/>
+              <a:rPr lang="tr-TR" sz="2000" b="1" dirty="0" err="1"/>
               <a:t>unless</a:t>
             </a:r>
             <a:r>
-              <a:rPr lang="tr-TR" sz="2000" dirty="0"/>
+              <a:rPr lang="tr-TR" sz="2000" b="1" dirty="0"/>
               <a:t> </a:t>
             </a:r>
             <a:r>
-              <a:rPr lang="tr-TR" sz="2000" dirty="0" err="1"/>
+              <a:rPr lang="tr-TR" sz="2000" b="1" dirty="0" err="1"/>
               <a:t>current_user</a:t>
             </a:r>
             <a:r>
-              <a:rPr lang="tr-TR" sz="2000" dirty="0" smtClean="0"/>
+              <a:rPr lang="tr-TR" sz="2000" b="1" dirty="0" smtClean="0"/>
               <a:t>==@</a:t>
             </a:r>
             <a:r>
-              <a:rPr lang="tr-TR" sz="2000" dirty="0" err="1" smtClean="0"/>
+              <a:rPr lang="tr-TR" sz="2000" b="1" dirty="0" err="1" smtClean="0"/>
               <a:t>kitap.user</a:t>
             </a:r>
-            <a:endParaRPr lang="tr-TR" sz="2000" dirty="0"/>
+            <a:endParaRPr lang="tr-TR" sz="2000" b="1" dirty="0"/>
           </a:p>
           <a:p>
             <a:pPr marL="0" indent="0">
               <a:buNone/>
             </a:pPr>
             <a:r>
-              <a:rPr lang="tr-TR" sz="2000" dirty="0"/>
+              <a:rPr lang="tr-TR" sz="2000" b="1" dirty="0"/>
               <a:t>      </a:t>
             </a:r>
             <a:r>
-              <a:rPr lang="tr-TR" sz="2000" dirty="0" err="1"/>
+              <a:rPr lang="tr-TR" sz="2000" b="1" dirty="0" err="1"/>
               <a:t>end</a:t>
             </a:r>
-            <a:endParaRPr lang="tr-TR" sz="2000" dirty="0"/>
+            <a:endParaRPr lang="tr-TR" sz="2000" b="1" dirty="0"/>
           </a:p>
           <a:p>
             <a:pPr marL="0" indent="0">
               <a:buNone/>
             </a:pPr>
             <a:r>
-              <a:rPr lang="tr-TR" sz="2000" dirty="0"/>
+              <a:rPr lang="tr-TR" sz="2000" b="1" dirty="0"/>
               <a:t>    </a:t>
             </a:r>
             <a:r>
-              <a:rPr lang="tr-TR" sz="2000" dirty="0" err="1"/>
+              <a:rPr lang="tr-TR" sz="2000" b="1" dirty="0" err="1"/>
               <a:t>end</a:t>
             </a:r>
-            <a:endParaRPr lang="tr-TR" sz="2000" dirty="0" smtClean="0"/>
+            <a:endParaRPr lang="tr-TR" sz="2000" b="1" dirty="0" smtClean="0"/>
           </a:p>
           <a:p>
             <a:pPr marL="0" indent="0">
@@ -5394,12 +5630,36 @@
               <a:buAutoNum type="arabicParenR"/>
             </a:pPr>
             <a:r>
+              <a:rPr lang="tr-TR" dirty="0" err="1"/>
+              <a:t>a</a:t>
+            </a:r>
+            <a:r>
               <a:rPr lang="tr-TR" dirty="0" err="1" smtClean="0"/>
-              <a:t>application_controller</a:t>
-            </a:r>
-            <a:r>
-              <a:rPr lang="tr-TR" dirty="0" smtClean="0"/>
-              <a:t> için aşağıdaki filtre</a:t>
+              <a:t>pp</a:t>
+            </a:r>
+            <a:r>
+              <a:rPr lang="tr-TR" dirty="0" smtClean="0"/>
+              <a:t>/</a:t>
+            </a:r>
+            <a:r>
+              <a:rPr lang="tr-TR" dirty="0" err="1" smtClean="0"/>
+              <a:t>controller</a:t>
+            </a:r>
+            <a:r>
+              <a:rPr lang="tr-TR" dirty="0" smtClean="0"/>
+              <a:t>/</a:t>
+            </a:r>
+            <a:r>
+              <a:rPr lang="tr-TR" dirty="0" err="1" smtClean="0"/>
+              <a:t>application_controller.rb</a:t>
+            </a:r>
+            <a:r>
+              <a:rPr lang="tr-TR" dirty="0" smtClean="0"/>
+              <a:t> </a:t>
+            </a:r>
+            <a:r>
+              <a:rPr lang="tr-TR" dirty="0" smtClean="0"/>
+              <a:t>için aşağıdaki filtre</a:t>
             </a:r>
           </a:p>
           <a:p>
@@ -5413,22 +5673,22 @@
               <a:buNone/>
             </a:pPr>
             <a:r>
-              <a:rPr lang="tr-TR" dirty="0" smtClean="0"/>
+              <a:rPr lang="tr-TR" b="1" dirty="0" smtClean="0"/>
               <a:t> </a:t>
             </a:r>
             <a:r>
-              <a:rPr lang="tr-TR" dirty="0" err="1" smtClean="0"/>
+              <a:rPr lang="tr-TR" b="1" dirty="0" err="1" smtClean="0"/>
               <a:t>before_action</a:t>
             </a:r>
             <a:r>
-              <a:rPr lang="tr-TR" dirty="0" smtClean="0"/>
+              <a:rPr lang="tr-TR" b="1" dirty="0" smtClean="0"/>
               <a:t> :</a:t>
             </a:r>
             <a:r>
-              <a:rPr lang="tr-TR" dirty="0" err="1" smtClean="0"/>
+              <a:rPr lang="tr-TR" b="1" dirty="0" err="1" smtClean="0"/>
               <a:t>set_locale</a:t>
             </a:r>
-            <a:endParaRPr lang="tr-TR" dirty="0" smtClean="0"/>
+            <a:endParaRPr lang="tr-TR" b="1" dirty="0" smtClean="0"/>
           </a:p>
           <a:p>
             <a:pPr marL="0" indent="0">
@@ -5441,37 +5701,51 @@
               <a:buNone/>
             </a:pPr>
             <a:r>
-              <a:rPr lang="tr-TR" dirty="0" smtClean="0"/>
+              <a:rPr lang="tr-TR" dirty="0"/>
+              <a:t> </a:t>
+            </a:r>
+            <a:r>
+              <a:rPr lang="tr-TR" dirty="0" smtClean="0"/>
+              <a:t>#dil seçimini sağlayan aşağıdaki metot</a:t>
+            </a:r>
+            <a:endParaRPr lang="tr-TR" dirty="0" smtClean="0"/>
+          </a:p>
+          <a:p>
+            <a:pPr marL="0" indent="0">
+              <a:buNone/>
+            </a:pPr>
+            <a:r>
+              <a:rPr lang="tr-TR" b="1" dirty="0" smtClean="0"/>
               <a:t>  def </a:t>
             </a:r>
             <a:r>
-              <a:rPr lang="tr-TR" dirty="0" err="1" smtClean="0"/>
+              <a:rPr lang="tr-TR" b="1" dirty="0" err="1" smtClean="0"/>
               <a:t>set_locale</a:t>
             </a:r>
-            <a:endParaRPr lang="tr-TR" dirty="0" smtClean="0"/>
+            <a:endParaRPr lang="tr-TR" b="1" dirty="0" smtClean="0"/>
           </a:p>
           <a:p>
             <a:pPr marL="0" indent="0">
               <a:buNone/>
             </a:pPr>
             <a:r>
-              <a:rPr lang="tr-TR" dirty="0" smtClean="0"/>
+              <a:rPr lang="tr-TR" b="1" dirty="0" smtClean="0"/>
               <a:t>    I18n.locale =</a:t>
             </a:r>
             <a:r>
-              <a:rPr lang="tr-TR" dirty="0" err="1" smtClean="0"/>
+              <a:rPr lang="tr-TR" b="1" dirty="0" err="1" smtClean="0"/>
               <a:t>params</a:t>
             </a:r>
             <a:r>
-              <a:rPr lang="tr-TR" dirty="0" smtClean="0"/>
+              <a:rPr lang="tr-TR" b="1" dirty="0" smtClean="0"/>
               <a:t>[:</a:t>
             </a:r>
             <a:r>
-              <a:rPr lang="tr-TR" dirty="0" err="1" smtClean="0"/>
+              <a:rPr lang="tr-TR" b="1" dirty="0" err="1" smtClean="0"/>
               <a:t>locale</a:t>
             </a:r>
             <a:r>
-              <a:rPr lang="tr-TR" dirty="0" smtClean="0"/>
+              <a:rPr lang="tr-TR" b="1" dirty="0" smtClean="0"/>
               <a:t>] || I18n.default_locale</a:t>
             </a:r>
           </a:p>
@@ -5480,14 +5754,14 @@
               <a:buNone/>
             </a:pPr>
             <a:r>
-              <a:rPr lang="tr-TR" dirty="0" smtClean="0"/>
+              <a:rPr lang="tr-TR" b="1" dirty="0" smtClean="0"/>
               <a:t>  </a:t>
             </a:r>
             <a:r>
-              <a:rPr lang="tr-TR" dirty="0" err="1" smtClean="0"/>
+              <a:rPr lang="tr-TR" b="1" dirty="0" err="1" smtClean="0"/>
               <a:t>end</a:t>
             </a:r>
-            <a:endParaRPr lang="tr-TR" dirty="0"/>
+            <a:endParaRPr lang="tr-TR" b="1" dirty="0"/>
           </a:p>
         </p:txBody>
       </p:sp>
